--- a/docs/diagrams/MassEditCommandSequenceDiagram.pptx
+++ b/docs/diagrams/MassEditCommandSequenceDiagram.pptx
@@ -302,7 +302,7 @@
           <a:p>
             <a:fld id="{530820CF-B880-4189-942D-D702A7CBA730}" type="datetimeFigureOut">
               <a:rPr lang="zh-CN" altLang="en-US" smtClean="0"/>
-              <a:t>2018/10/31</a:t>
+              <a:t>2018/11/11</a:t>
             </a:fld>
             <a:endParaRPr lang="zh-CN" altLang="en-US"/>
           </a:p>
@@ -465,7 +465,7 @@
           <a:p>
             <a:fld id="{530820CF-B880-4189-942D-D702A7CBA730}" type="datetimeFigureOut">
               <a:rPr lang="zh-CN" altLang="en-US" smtClean="0"/>
-              <a:t>2018/10/31</a:t>
+              <a:t>2018/11/11</a:t>
             </a:fld>
             <a:endParaRPr lang="zh-CN" altLang="en-US"/>
           </a:p>
@@ -638,7 +638,7 @@
           <a:p>
             <a:fld id="{530820CF-B880-4189-942D-D702A7CBA730}" type="datetimeFigureOut">
               <a:rPr lang="zh-CN" altLang="en-US" smtClean="0"/>
-              <a:t>2018/10/31</a:t>
+              <a:t>2018/11/11</a:t>
             </a:fld>
             <a:endParaRPr lang="zh-CN" altLang="en-US"/>
           </a:p>
@@ -801,7 +801,7 @@
           <a:p>
             <a:fld id="{530820CF-B880-4189-942D-D702A7CBA730}" type="datetimeFigureOut">
               <a:rPr lang="zh-CN" altLang="en-US" smtClean="0"/>
-              <a:t>2018/10/31</a:t>
+              <a:t>2018/11/11</a:t>
             </a:fld>
             <a:endParaRPr lang="zh-CN" altLang="en-US"/>
           </a:p>
@@ -1041,7 +1041,7 @@
           <a:p>
             <a:fld id="{530820CF-B880-4189-942D-D702A7CBA730}" type="datetimeFigureOut">
               <a:rPr lang="zh-CN" altLang="en-US" smtClean="0"/>
-              <a:t>2018/10/31</a:t>
+              <a:t>2018/11/11</a:t>
             </a:fld>
             <a:endParaRPr lang="zh-CN" altLang="en-US"/>
           </a:p>
@@ -1321,7 +1321,7 @@
           <a:p>
             <a:fld id="{530820CF-B880-4189-942D-D702A7CBA730}" type="datetimeFigureOut">
               <a:rPr lang="zh-CN" altLang="en-US" smtClean="0"/>
-              <a:t>2018/10/31</a:t>
+              <a:t>2018/11/11</a:t>
             </a:fld>
             <a:endParaRPr lang="zh-CN" altLang="en-US"/>
           </a:p>
@@ -1735,7 +1735,7 @@
           <a:p>
             <a:fld id="{530820CF-B880-4189-942D-D702A7CBA730}" type="datetimeFigureOut">
               <a:rPr lang="zh-CN" altLang="en-US" smtClean="0"/>
-              <a:t>2018/10/31</a:t>
+              <a:t>2018/11/11</a:t>
             </a:fld>
             <a:endParaRPr lang="zh-CN" altLang="en-US"/>
           </a:p>
@@ -1847,7 +1847,7 @@
           <a:p>
             <a:fld id="{530820CF-B880-4189-942D-D702A7CBA730}" type="datetimeFigureOut">
               <a:rPr lang="zh-CN" altLang="en-US" smtClean="0"/>
-              <a:t>2018/10/31</a:t>
+              <a:t>2018/11/11</a:t>
             </a:fld>
             <a:endParaRPr lang="zh-CN" altLang="en-US"/>
           </a:p>
@@ -1937,7 +1937,7 @@
           <a:p>
             <a:fld id="{530820CF-B880-4189-942D-D702A7CBA730}" type="datetimeFigureOut">
               <a:rPr lang="zh-CN" altLang="en-US" smtClean="0"/>
-              <a:t>2018/10/31</a:t>
+              <a:t>2018/11/11</a:t>
             </a:fld>
             <a:endParaRPr lang="zh-CN" altLang="en-US"/>
           </a:p>
@@ -2207,7 +2207,7 @@
           <a:p>
             <a:fld id="{530820CF-B880-4189-942D-D702A7CBA730}" type="datetimeFigureOut">
               <a:rPr lang="zh-CN" altLang="en-US" smtClean="0"/>
-              <a:t>2018/10/31</a:t>
+              <a:t>2018/11/11</a:t>
             </a:fld>
             <a:endParaRPr lang="zh-CN" altLang="en-US"/>
           </a:p>
@@ -2454,7 +2454,7 @@
           <a:p>
             <a:fld id="{530820CF-B880-4189-942D-D702A7CBA730}" type="datetimeFigureOut">
               <a:rPr lang="zh-CN" altLang="en-US" smtClean="0"/>
-              <a:t>2018/10/31</a:t>
+              <a:t>2018/11/11</a:t>
             </a:fld>
             <a:endParaRPr lang="zh-CN" altLang="en-US"/>
           </a:p>
@@ -2660,7 +2660,7 @@
           <a:p>
             <a:fld id="{530820CF-B880-4189-942D-D702A7CBA730}" type="datetimeFigureOut">
               <a:rPr lang="zh-CN" altLang="en-US" smtClean="0"/>
-              <a:t>2018/10/31</a:t>
+              <a:t>2018/11/11</a:t>
             </a:fld>
             <a:endParaRPr lang="zh-CN" altLang="en-US"/>
           </a:p>
@@ -3441,82 +3441,6 @@
           </a:p>
         </p:txBody>
       </p:sp>
-      <p:sp>
-        <p:nvSpPr>
-          <p:cNvPr id="10" name="Rectangle 62">
-            <a:extLst>
-              <a:ext uri="{FF2B5EF4-FFF2-40B4-BE49-F238E27FC236}">
-                <a16:creationId xmlns:a16="http://schemas.microsoft.com/office/drawing/2014/main" id="{D4A2667B-F572-4854-A354-2E7374808D63}"/>
-              </a:ext>
-            </a:extLst>
-          </p:cNvPr>
-          <p:cNvSpPr/>
-          <p:nvPr/>
-        </p:nvSpPr>
-        <p:spPr>
-          <a:xfrm>
-            <a:off x="2362200" y="655309"/>
-            <a:ext cx="1219200" cy="467684"/>
-          </a:xfrm>
-          <a:prstGeom prst="rect">
-            <a:avLst/>
-          </a:prstGeom>
-          <a:solidFill>
-            <a:srgbClr val="0070C0"/>
-          </a:solidFill>
-          <a:ln w="19050">
-            <a:solidFill>
-              <a:srgbClr val="0070C0"/>
-            </a:solidFill>
-          </a:ln>
-          <a:effectLst/>
-        </p:spPr>
-        <p:style>
-          <a:lnRef idx="1">
-            <a:schemeClr val="accent2"/>
-          </a:lnRef>
-          <a:fillRef idx="2">
-            <a:schemeClr val="accent2"/>
-          </a:fillRef>
-          <a:effectRef idx="1">
-            <a:schemeClr val="accent2"/>
-          </a:effectRef>
-          <a:fontRef idx="minor">
-            <a:schemeClr val="dk1"/>
-          </a:fontRef>
-        </p:style>
-        <p:txBody>
-          <a:bodyPr rtlCol="0" anchor="ctr"/>
-          <a:lstStyle/>
-          <a:p>
-            <a:pPr algn="ctr"/>
-            <a:r>
-              <a:rPr lang="en-US" sz="1600" dirty="0">
-                <a:solidFill>
-                  <a:schemeClr val="bg1"/>
-                </a:solidFill>
-              </a:rPr>
-              <a:t>:Address</a:t>
-            </a:r>
-          </a:p>
-          <a:p>
-            <a:pPr algn="ctr"/>
-            <a:r>
-              <a:rPr lang="en-US" sz="1600" dirty="0" err="1">
-                <a:solidFill>
-                  <a:schemeClr val="bg1"/>
-                </a:solidFill>
-              </a:rPr>
-              <a:t>BookParser</a:t>
-            </a:r>
-            <a:endParaRPr lang="en-SG" sz="1600" dirty="0">
-              <a:solidFill>
-                <a:schemeClr val="bg1"/>
-              </a:solidFill>
-            </a:endParaRPr>
-          </a:p>
-        </p:txBody>
-      </p:sp>
       <p:cxnSp>
         <p:nvCxnSpPr>
           <p:cNvPr id="11" name="Straight Connector 16">
@@ -7555,6 +7479,82 @@
               </a:rPr>
               <a:t>X</a:t>
             </a:r>
+          </a:p>
+        </p:txBody>
+      </p:sp>
+      <p:sp>
+        <p:nvSpPr>
+          <p:cNvPr id="90" name="Rectangle 62">
+            <a:extLst>
+              <a:ext uri="{FF2B5EF4-FFF2-40B4-BE49-F238E27FC236}">
+                <a16:creationId xmlns:a16="http://schemas.microsoft.com/office/drawing/2014/main" id="{02DCF381-EF0D-4EF0-924F-F79544C57075}"/>
+              </a:ext>
+            </a:extLst>
+          </p:cNvPr>
+          <p:cNvSpPr/>
+          <p:nvPr/>
+        </p:nvSpPr>
+        <p:spPr>
+          <a:xfrm>
+            <a:off x="2286000" y="655308"/>
+            <a:ext cx="1391711" cy="487691"/>
+          </a:xfrm>
+          <a:prstGeom prst="rect">
+            <a:avLst/>
+          </a:prstGeom>
+          <a:solidFill>
+            <a:srgbClr val="0070C0"/>
+          </a:solidFill>
+          <a:ln w="19050">
+            <a:solidFill>
+              <a:srgbClr val="0070C0"/>
+            </a:solidFill>
+          </a:ln>
+          <a:effectLst/>
+        </p:spPr>
+        <p:style>
+          <a:lnRef idx="1">
+            <a:schemeClr val="accent2"/>
+          </a:lnRef>
+          <a:fillRef idx="2">
+            <a:schemeClr val="accent2"/>
+          </a:fillRef>
+          <a:effectRef idx="1">
+            <a:schemeClr val="accent2"/>
+          </a:effectRef>
+          <a:fontRef idx="minor">
+            <a:schemeClr val="dk1"/>
+          </a:fontRef>
+        </p:style>
+        <p:txBody>
+          <a:bodyPr rtlCol="0" anchor="ctr"/>
+          <a:lstStyle/>
+          <a:p>
+            <a:pPr algn="ctr"/>
+            <a:r>
+              <a:rPr lang="en-US" sz="1600" dirty="0">
+                <a:solidFill>
+                  <a:schemeClr val="bg1"/>
+                </a:solidFill>
+              </a:rPr>
+              <a:t>:Expense</a:t>
+            </a:r>
+          </a:p>
+          <a:p>
+            <a:pPr algn="ctr"/>
+            <a:r>
+              <a:rPr lang="en-US" sz="1600" dirty="0" err="1">
+                <a:solidFill>
+                  <a:schemeClr val="bg1"/>
+                </a:solidFill>
+              </a:rPr>
+              <a:t>TrackerParser</a:t>
+            </a:r>
+            <a:endParaRPr lang="en-SG" sz="1600" dirty="0">
+              <a:solidFill>
+                <a:schemeClr val="bg1"/>
+              </a:solidFill>
+            </a:endParaRPr>
           </a:p>
         </p:txBody>
       </p:sp>
